--- a/pres/TotheDno_BH.pptx
+++ b/pres/TotheDno_BH.pptx
@@ -16,6 +16,7 @@
     <p:sldId id="264" r:id="rId10"/>
     <p:sldId id="265" r:id="rId11"/>
     <p:sldId id="266" r:id="rId12"/>
+    <p:sldId id="267" r:id="rId13"/>
   </p:sldIdLst>
   <p:sldSz cx="12192000" cy="6858000"/>
   <p:notesSz cx="6858000" cy="9144000"/>
@@ -4225,6 +4226,207 @@
 </p:sld>
 </file>
 
+<file path=ppt/slides/slide12.xml><?xml version="1.0" encoding="utf-8"?>
+<p:sld xmlns:a="http://schemas.openxmlformats.org/drawingml/2006/main" xmlns:r="http://schemas.openxmlformats.org/officeDocument/2006/relationships" xmlns:p="http://schemas.openxmlformats.org/presentationml/2006/main">
+  <p:cSld>
+    <p:spTree>
+      <p:nvGrpSpPr>
+        <p:cNvPr id="1" name=""/>
+        <p:cNvGrpSpPr/>
+        <p:nvPr/>
+      </p:nvGrpSpPr>
+      <p:grpSpPr>
+        <a:xfrm>
+          <a:off x="0" y="0"/>
+          <a:ext cx="0" cy="0"/>
+          <a:chOff x="0" y="0"/>
+          <a:chExt cx="0" cy="0"/>
+        </a:xfrm>
+      </p:grpSpPr>
+      <p:sp>
+        <p:nvSpPr>
+          <p:cNvPr id="2" name="Заголовок 1">
+            <a:extLst>
+              <a:ext uri="{FF2B5EF4-FFF2-40B4-BE49-F238E27FC236}">
+                <a16:creationId xmlns:a16="http://schemas.microsoft.com/office/drawing/2014/main" id="{A5A796DC-8374-49AC-92C6-7B302B14E792}"/>
+              </a:ext>
+            </a:extLst>
+          </p:cNvPr>
+          <p:cNvSpPr>
+            <a:spLocks noGrp="1"/>
+          </p:cNvSpPr>
+          <p:nvPr>
+            <p:ph type="title"/>
+          </p:nvPr>
+        </p:nvSpPr>
+        <p:spPr/>
+        <p:txBody>
+          <a:bodyPr/>
+          <a:lstStyle/>
+          <a:p>
+            <a:r>
+              <a:rPr lang="ru-RU" dirty="0"/>
+              <a:t>Траектория полета</a:t>
+            </a:r>
+          </a:p>
+        </p:txBody>
+      </p:sp>
+      <p:pic>
+        <p:nvPicPr>
+          <p:cNvPr id="5" name="Объект 4">
+            <a:extLst>
+              <a:ext uri="{FF2B5EF4-FFF2-40B4-BE49-F238E27FC236}">
+                <a16:creationId xmlns:a16="http://schemas.microsoft.com/office/drawing/2014/main" id="{A136834E-4D6A-4AEC-8BD4-18ED7960B6B4}"/>
+              </a:ext>
+            </a:extLst>
+          </p:cNvPr>
+          <p:cNvPicPr>
+            <a:picLocks noGrp="1" noChangeAspect="1"/>
+          </p:cNvPicPr>
+          <p:nvPr>
+            <p:ph idx="1"/>
+          </p:nvPr>
+        </p:nvPicPr>
+        <p:blipFill>
+          <a:blip r:embed="rId2">
+            <a:extLst>
+              <a:ext uri="{28A0092B-C50C-407E-A947-70E740481C1C}">
+                <a14:useLocalDpi xmlns:a14="http://schemas.microsoft.com/office/drawing/2010/main" val="0"/>
+              </a:ext>
+            </a:extLst>
+          </a:blip>
+          <a:stretch>
+            <a:fillRect/>
+          </a:stretch>
+        </p:blipFill>
+        <p:spPr>
+          <a:xfrm>
+            <a:off x="6526509" y="2398874"/>
+            <a:ext cx="5665491" cy="3836274"/>
+          </a:xfrm>
+        </p:spPr>
+      </p:pic>
+      <p:pic>
+        <p:nvPicPr>
+          <p:cNvPr id="9" name="Рисунок 8">
+            <a:extLst>
+              <a:ext uri="{FF2B5EF4-FFF2-40B4-BE49-F238E27FC236}">
+                <a16:creationId xmlns:a16="http://schemas.microsoft.com/office/drawing/2014/main" id="{09BBF8FA-099C-4ABE-8DDB-9571A741F450}"/>
+              </a:ext>
+            </a:extLst>
+          </p:cNvPr>
+          <p:cNvPicPr>
+            <a:picLocks noChangeAspect="1"/>
+          </p:cNvPicPr>
+          <p:nvPr/>
+        </p:nvPicPr>
+        <p:blipFill>
+          <a:blip r:embed="rId3">
+            <a:extLst>
+              <a:ext uri="{28A0092B-C50C-407E-A947-70E740481C1C}">
+                <a14:useLocalDpi xmlns:a14="http://schemas.microsoft.com/office/drawing/2010/main" val="0"/>
+              </a:ext>
+            </a:extLst>
+          </a:blip>
+          <a:stretch>
+            <a:fillRect/>
+          </a:stretch>
+        </p:blipFill>
+        <p:spPr>
+          <a:xfrm>
+            <a:off x="-2" y="2398874"/>
+            <a:ext cx="5665491" cy="3836274"/>
+          </a:xfrm>
+          <a:prstGeom prst="rect">
+            <a:avLst/>
+          </a:prstGeom>
+        </p:spPr>
+      </p:pic>
+      <p:sp>
+        <p:nvSpPr>
+          <p:cNvPr id="10" name="TextBox 9">
+            <a:extLst>
+              <a:ext uri="{FF2B5EF4-FFF2-40B4-BE49-F238E27FC236}">
+                <a16:creationId xmlns:a16="http://schemas.microsoft.com/office/drawing/2014/main" id="{8FB29166-0503-4AD5-B6D5-7DD3C0CA5DF9}"/>
+              </a:ext>
+            </a:extLst>
+          </p:cNvPr>
+          <p:cNvSpPr txBox="1"/>
+          <p:nvPr/>
+        </p:nvSpPr>
+        <p:spPr>
+          <a:xfrm>
+            <a:off x="376167" y="2168041"/>
+            <a:ext cx="4913151" cy="461665"/>
+          </a:xfrm>
+          <a:prstGeom prst="rect">
+            <a:avLst/>
+          </a:prstGeom>
+          <a:noFill/>
+        </p:spPr>
+        <p:txBody>
+          <a:bodyPr wrap="square" rtlCol="0">
+            <a:spAutoFit/>
+          </a:bodyPr>
+          <a:lstStyle/>
+          <a:p>
+            <a:pPr algn="ctr"/>
+            <a:r>
+              <a:rPr lang="ru-RU" sz="2400" dirty="0"/>
+              <a:t>До корректировки координат</a:t>
+            </a:r>
+          </a:p>
+        </p:txBody>
+      </p:sp>
+      <p:sp>
+        <p:nvSpPr>
+          <p:cNvPr id="11" name="TextBox 10">
+            <a:extLst>
+              <a:ext uri="{FF2B5EF4-FFF2-40B4-BE49-F238E27FC236}">
+                <a16:creationId xmlns:a16="http://schemas.microsoft.com/office/drawing/2014/main" id="{B24A3BB1-3C75-4279-B5C6-EEC8D3E89203}"/>
+              </a:ext>
+            </a:extLst>
+          </p:cNvPr>
+          <p:cNvSpPr txBox="1"/>
+          <p:nvPr/>
+        </p:nvSpPr>
+        <p:spPr>
+          <a:xfrm>
+            <a:off x="6902680" y="2168040"/>
+            <a:ext cx="4913151" cy="461665"/>
+          </a:xfrm>
+          <a:prstGeom prst="rect">
+            <a:avLst/>
+          </a:prstGeom>
+          <a:noFill/>
+        </p:spPr>
+        <p:txBody>
+          <a:bodyPr wrap="square" rtlCol="0">
+            <a:spAutoFit/>
+          </a:bodyPr>
+          <a:lstStyle/>
+          <a:p>
+            <a:pPr algn="ctr"/>
+            <a:r>
+              <a:rPr lang="ru-RU" sz="2400" dirty="0"/>
+              <a:t>После корректировки координат</a:t>
+            </a:r>
+          </a:p>
+        </p:txBody>
+      </p:sp>
+    </p:spTree>
+    <p:extLst>
+      <p:ext uri="{BB962C8B-B14F-4D97-AF65-F5344CB8AC3E}">
+        <p14:creationId xmlns:p14="http://schemas.microsoft.com/office/powerpoint/2010/main" val="1067346454"/>
+      </p:ext>
+    </p:extLst>
+  </p:cSld>
+  <p:clrMapOvr>
+    <a:masterClrMapping/>
+  </p:clrMapOvr>
+</p:sld>
+</file>
+
 <file path=ppt/slides/slide2.xml><?xml version="1.0" encoding="utf-8"?>
 <p:sld xmlns:a="http://schemas.openxmlformats.org/drawingml/2006/main" xmlns:r="http://schemas.openxmlformats.org/officeDocument/2006/relationships" xmlns:p="http://schemas.openxmlformats.org/presentationml/2006/main">
   <p:cSld>
@@ -4655,50 +4857,52 @@
               </a:xfrm>
             </p:spPr>
             <p:txBody>
-              <a:bodyPr/>
+              <a:bodyPr>
+                <a:normAutofit/>
+              </a:bodyPr>
               <a:lstStyle/>
               <a:p>
                 <a:pPr marL="0" indent="0" algn="just">
                   <a:buNone/>
                 </a:pPr>
                 <a:r>
-                  <a:rPr lang="ru-RU" dirty="0"/>
+                  <a:rPr lang="ru-RU" sz="2400" dirty="0"/>
                   <a:t>На груз действуют сила тяжести и </a:t>
                 </a:r>
                 <a:r>
-                  <a:rPr lang="ru-RU" dirty="0" err="1"/>
+                  <a:rPr lang="ru-RU" sz="2400" dirty="0" err="1"/>
                   <a:t>аеродинамическая</a:t>
                 </a:r>
                 <a:r>
-                  <a:rPr lang="ru-RU" dirty="0"/>
+                  <a:rPr lang="ru-RU" sz="2400" dirty="0"/>
                   <a:t> сила. По данным для отладки можно понять что модуль </a:t>
                 </a:r>
                 <a:r>
-                  <a:rPr lang="ru-RU" dirty="0" err="1"/>
+                  <a:rPr lang="ru-RU" sz="2400" dirty="0" err="1"/>
                   <a:t>аеродинамической</a:t>
                 </a:r>
                 <a:r>
-                  <a:rPr lang="ru-RU" dirty="0"/>
+                  <a:rPr lang="ru-RU" sz="2400" dirty="0"/>
                   <a:t> силы зависит следующим образом |</a:t>
                 </a:r>
                 <a:r>
-                  <a:rPr lang="ru-RU" dirty="0" err="1"/>
+                  <a:rPr lang="ru-RU" sz="2400" dirty="0" err="1"/>
                   <a:t>Fa</a:t>
                 </a:r>
                 <a:r>
-                  <a:rPr lang="ru-RU" dirty="0"/>
+                  <a:rPr lang="ru-RU" sz="2400" dirty="0"/>
                   <a:t>| = </a:t>
                 </a:r>
                 <a14:m>
                   <m:oMath xmlns:m="http://schemas.openxmlformats.org/officeDocument/2006/math">
                     <m:r>
-                      <a:rPr lang="ru-RU" i="1" dirty="0" smtClean="0">
+                      <a:rPr lang="ru-RU" sz="2400" i="1" dirty="0" smtClean="0">
                         <a:latin typeface="Cambria Math" panose="02040503050406030204" pitchFamily="18" charset="0"/>
                       </a:rPr>
                       <m:t>𝑐</m:t>
                     </m:r>
                     <m:r>
-                      <a:rPr lang="ru-RU" i="1" dirty="0" smtClean="0">
+                      <a:rPr lang="ru-RU" sz="2400" i="1" dirty="0" smtClean="0">
                         <a:latin typeface="Cambria Math" panose="02040503050406030204" pitchFamily="18" charset="0"/>
                       </a:rPr>
                       <m:t>∗</m:t>
@@ -4706,7 +4910,7 @@
                     <m:sSup>
                       <m:sSupPr>
                         <m:ctrlPr>
-                          <a:rPr lang="ru-RU" i="1" dirty="0" smtClean="0">
+                          <a:rPr lang="ru-RU" sz="2400" i="1" dirty="0" smtClean="0">
                             <a:latin typeface="Cambria Math" panose="02040503050406030204" pitchFamily="18" charset="0"/>
                           </a:rPr>
                         </m:ctrlPr>
@@ -4717,14 +4921,14 @@
                             <m:begChr m:val="|"/>
                             <m:endChr m:val="|"/>
                             <m:ctrlPr>
-                              <a:rPr lang="ru-RU" i="1" dirty="0" smtClean="0">
+                              <a:rPr lang="ru-RU" sz="2400" i="1" dirty="0" smtClean="0">
                                 <a:latin typeface="Cambria Math" panose="02040503050406030204" pitchFamily="18" charset="0"/>
                               </a:rPr>
                             </m:ctrlPr>
                           </m:dPr>
                           <m:e>
                             <m:r>
-                              <a:rPr lang="ru-RU" i="1" dirty="0" smtClean="0">
+                              <a:rPr lang="ru-RU" sz="2400" i="1" dirty="0" smtClean="0">
                                 <a:latin typeface="Cambria Math" panose="02040503050406030204" pitchFamily="18" charset="0"/>
                               </a:rPr>
                               <m:t>𝑉</m:t>
@@ -4734,7 +4938,7 @@
                       </m:e>
                       <m:sup>
                         <m:r>
-                          <a:rPr lang="ru-RU" i="1" dirty="0" smtClean="0">
+                          <a:rPr lang="ru-RU" sz="2400" i="1" dirty="0" smtClean="0">
                             <a:latin typeface="Cambria Math" panose="02040503050406030204" pitchFamily="18" charset="0"/>
                           </a:rPr>
                           <m:t>2</m:t>
@@ -4744,23 +4948,23 @@
                   </m:oMath>
                 </a14:m>
                 <a:r>
-                  <a:rPr lang="ru-RU" dirty="0"/>
+                  <a:rPr lang="ru-RU" sz="2400" dirty="0"/>
                   <a:t>, где </a:t>
                 </a:r>
                 <a:r>
-                  <a:rPr lang="ru-RU" dirty="0" err="1"/>
+                  <a:rPr lang="ru-RU" sz="2400" dirty="0" err="1"/>
                   <a:t>коэфициент</a:t>
                 </a:r>
                 <a:r>
-                  <a:rPr lang="ru-RU" dirty="0"/>
+                  <a:rPr lang="ru-RU" sz="2400" dirty="0"/>
                   <a:t> c </a:t>
                 </a:r>
                 <a:r>
-                  <a:rPr lang="ru-RU" dirty="0" err="1"/>
+                  <a:rPr lang="ru-RU" sz="2400" dirty="0" err="1"/>
                   <a:t>вычисялется</a:t>
                 </a:r>
                 <a:r>
-                  <a:rPr lang="ru-RU" dirty="0"/>
+                  <a:rPr lang="ru-RU" sz="2400" dirty="0"/>
                   <a:t> применением линейной регрессии к </a:t>
                 </a:r>
                 <a14:m>
@@ -4768,7 +4972,7 @@
                     <m:sSup>
                       <m:sSupPr>
                         <m:ctrlPr>
-                          <a:rPr lang="ru-RU" i="1" dirty="0" smtClean="0">
+                          <a:rPr lang="ru-RU" sz="2400" i="1" dirty="0" smtClean="0">
                             <a:latin typeface="Cambria Math" panose="02040503050406030204" pitchFamily="18" charset="0"/>
                           </a:rPr>
                         </m:ctrlPr>
@@ -4779,14 +4983,14 @@
                             <m:begChr m:val="|"/>
                             <m:endChr m:val="|"/>
                             <m:ctrlPr>
-                              <a:rPr lang="ru-RU" i="1" dirty="0" smtClean="0">
+                              <a:rPr lang="ru-RU" sz="2400" i="1" dirty="0" smtClean="0">
                                 <a:latin typeface="Cambria Math" panose="02040503050406030204" pitchFamily="18" charset="0"/>
                               </a:rPr>
                             </m:ctrlPr>
                           </m:dPr>
                           <m:e>
                             <m:r>
-                              <a:rPr lang="ru-RU" i="1" dirty="0" smtClean="0">
+                              <a:rPr lang="ru-RU" sz="2400" i="1" dirty="0" smtClean="0">
                                 <a:latin typeface="Cambria Math" panose="02040503050406030204" pitchFamily="18" charset="0"/>
                               </a:rPr>
                               <m:t>𝑉</m:t>
@@ -4796,7 +5000,7 @@
                       </m:e>
                       <m:sup>
                         <m:r>
-                          <a:rPr lang="ru-RU" i="1" dirty="0" smtClean="0">
+                          <a:rPr lang="ru-RU" sz="2400" i="1" dirty="0" smtClean="0">
                             <a:latin typeface="Cambria Math" panose="02040503050406030204" pitchFamily="18" charset="0"/>
                           </a:rPr>
                           <m:t>2</m:t>
@@ -4804,7 +5008,7 @@
                       </m:sup>
                     </m:sSup>
                     <m:r>
-                      <a:rPr lang="ru-RU" i="1" dirty="0" smtClean="0">
+                      <a:rPr lang="ru-RU" sz="2400" i="1" dirty="0" smtClean="0">
                         <a:latin typeface="Cambria Math" panose="02040503050406030204" pitchFamily="18" charset="0"/>
                       </a:rPr>
                       <m:t> </m:t>
@@ -4812,15 +5016,15 @@
                   </m:oMath>
                 </a14:m>
                 <a:r>
-                  <a:rPr lang="ru-RU" dirty="0"/>
+                  <a:rPr lang="ru-RU" sz="2400" dirty="0"/>
                   <a:t>и |</a:t>
                 </a:r>
                 <a:r>
-                  <a:rPr lang="ru-RU" dirty="0" err="1"/>
+                  <a:rPr lang="ru-RU" sz="2400" dirty="0" err="1"/>
                   <a:t>Fa</a:t>
                 </a:r>
                 <a:r>
-                  <a:rPr lang="ru-RU" dirty="0"/>
+                  <a:rPr lang="ru-RU" sz="2400" dirty="0"/>
                   <a:t>|. На отладочных данных c = 0.2734. Далее при расчётах будет использоваться эта формула.</a:t>
                 </a:r>
               </a:p>
@@ -4852,7 +5056,7 @@
               <a:blipFill>
                 <a:blip r:embed="rId2"/>
                 <a:stretch>
-                  <a:fillRect l="-1217" t="-2241" r="-1159"/>
+                  <a:fillRect l="-928" t="-1961" r="-870"/>
                 </a:stretch>
               </a:blipFill>
             </p:spPr>
@@ -4900,7 +5104,7 @@
         </p:blipFill>
         <p:spPr bwMode="auto">
           <a:xfrm>
-            <a:off x="6682408" y="3692172"/>
+            <a:off x="3559865" y="3429000"/>
             <a:ext cx="5072270" cy="3269084"/>
           </a:xfrm>
           <a:prstGeom prst="rect">
